--- a/docs/diagrams/AddPersonAffnActivityRaw.pptx
+++ b/docs/diagrams/AddPersonAffnActivityRaw.pptx
@@ -104,6 +104,11 @@
       </a:defRPr>
     </a:lvl9pPr>
   </p:defaultTextStyle>
+  <p:extLst>
+    <p:ext uri="{EFAFB233-063F-42B5-8137-9DF3F51BA10A}">
+      <p15:sldGuideLst xmlns:p15="http://schemas.microsoft.com/office/powerpoint/2012/main"/>
+    </p:ext>
+  </p:extLst>
 </p:presentation>
 </file>
 
@@ -4787,6 +4792,149 @@
           </a:fontRef>
         </p:style>
       </p:cxnSp>
+      <p:sp>
+        <p:nvSpPr>
+          <p:cNvPr id="3" name="Oval 2">
+            <a:extLst>
+              <a:ext uri="{FF2B5EF4-FFF2-40B4-BE49-F238E27FC236}">
+                <a16:creationId xmlns:a16="http://schemas.microsoft.com/office/drawing/2014/main" id="{AFCC97E5-613D-082D-1517-750664B4233D}"/>
+              </a:ext>
+            </a:extLst>
+          </p:cNvPr>
+          <p:cNvSpPr/>
+          <p:nvPr/>
+        </p:nvSpPr>
+        <p:spPr>
+          <a:xfrm>
+            <a:off x="4657153" y="3478083"/>
+            <a:ext cx="179109" cy="169683"/>
+          </a:xfrm>
+          <a:prstGeom prst="ellipse">
+            <a:avLst/>
+          </a:prstGeom>
+          <a:solidFill>
+            <a:schemeClr val="tx1"/>
+          </a:solidFill>
+        </p:spPr>
+        <p:style>
+          <a:lnRef idx="2">
+            <a:schemeClr val="accent1">
+              <a:shade val="15000"/>
+            </a:schemeClr>
+          </a:lnRef>
+          <a:fillRef idx="1">
+            <a:schemeClr val="accent1"/>
+          </a:fillRef>
+          <a:effectRef idx="0">
+            <a:schemeClr val="accent1"/>
+          </a:effectRef>
+          <a:fontRef idx="minor">
+            <a:schemeClr val="lt1"/>
+          </a:fontRef>
+        </p:style>
+        <p:txBody>
+          <a:bodyPr rtlCol="0" anchor="ctr"/>
+          <a:lstStyle/>
+          <a:p>
+            <a:pPr algn="ctr"/>
+            <a:endParaRPr lang="en-US"/>
+          </a:p>
+        </p:txBody>
+      </p:sp>
+      <p:sp>
+        <p:nvSpPr>
+          <p:cNvPr id="4" name="Oval 3">
+            <a:extLst>
+              <a:ext uri="{FF2B5EF4-FFF2-40B4-BE49-F238E27FC236}">
+                <a16:creationId xmlns:a16="http://schemas.microsoft.com/office/drawing/2014/main" id="{045EADE5-2943-C637-E52E-9B9C4525D83C}"/>
+              </a:ext>
+            </a:extLst>
+          </p:cNvPr>
+          <p:cNvSpPr/>
+          <p:nvPr/>
+        </p:nvSpPr>
+        <p:spPr>
+          <a:xfrm>
+            <a:off x="4608825" y="3431001"/>
+            <a:ext cx="279180" cy="270105"/>
+          </a:xfrm>
+          <a:prstGeom prst="ellipse">
+            <a:avLst/>
+          </a:prstGeom>
+          <a:noFill/>
+        </p:spPr>
+        <p:style>
+          <a:lnRef idx="2">
+            <a:schemeClr val="accent1">
+              <a:shade val="15000"/>
+            </a:schemeClr>
+          </a:lnRef>
+          <a:fillRef idx="1">
+            <a:schemeClr val="accent1"/>
+          </a:fillRef>
+          <a:effectRef idx="0">
+            <a:schemeClr val="accent1"/>
+          </a:effectRef>
+          <a:fontRef idx="minor">
+            <a:schemeClr val="lt1"/>
+          </a:fontRef>
+        </p:style>
+        <p:txBody>
+          <a:bodyPr rtlCol="0" anchor="ctr"/>
+          <a:lstStyle/>
+          <a:p>
+            <a:pPr algn="ctr"/>
+            <a:endParaRPr lang="en-US"/>
+          </a:p>
+        </p:txBody>
+      </p:sp>
+      <p:cxnSp>
+        <p:nvCxnSpPr>
+          <p:cNvPr id="13" name="Connector: Elbow 54">
+            <a:extLst>
+              <a:ext uri="{FF2B5EF4-FFF2-40B4-BE49-F238E27FC236}">
+                <a16:creationId xmlns:a16="http://schemas.microsoft.com/office/drawing/2014/main" id="{05D90628-B5A3-F55A-9D1B-B8A0F426AB50}"/>
+              </a:ext>
+            </a:extLst>
+          </p:cNvPr>
+          <p:cNvCxnSpPr>
+            <a:cxnSpLocks/>
+            <a:endCxn id="4" idx="2"/>
+          </p:cNvCxnSpPr>
+          <p:nvPr/>
+        </p:nvCxnSpPr>
+        <p:spPr>
+          <a:xfrm>
+            <a:off x="2940865" y="3562924"/>
+            <a:ext cx="1667960" cy="3130"/>
+          </a:xfrm>
+          <a:prstGeom prst="bentConnector3">
+            <a:avLst>
+              <a:gd name="adj1" fmla="val 50000"/>
+            </a:avLst>
+          </a:prstGeom>
+          <a:ln>
+            <a:solidFill>
+              <a:schemeClr val="tx1"/>
+            </a:solidFill>
+            <a:tailEnd type="triangle"/>
+          </a:ln>
+        </p:spPr>
+        <p:style>
+          <a:lnRef idx="1">
+            <a:schemeClr val="accent1"/>
+          </a:lnRef>
+          <a:fillRef idx="0">
+            <a:schemeClr val="accent1"/>
+          </a:fillRef>
+          <a:effectRef idx="0">
+            <a:schemeClr val="accent1"/>
+          </a:effectRef>
+          <a:fontRef idx="minor">
+            <a:schemeClr val="tx1"/>
+          </a:fontRef>
+        </p:style>
+      </p:cxnSp>
     </p:spTree>
     <p:extLst>
       <p:ext uri="{BB962C8B-B14F-4D97-AF65-F5344CB8AC3E}">

--- a/docs/diagrams/AddPersonAffnActivityRaw.pptx
+++ b/docs/diagrams/AddPersonAffnActivityRaw.pptx
@@ -3452,7 +3452,7 @@
           <a:p>
             <a:pPr algn="ctr"/>
             <a:r>
-              <a:rPr lang="en-US" dirty="0">
+              <a:rPr lang="en-US" sz="1200" dirty="0">
                 <a:solidFill>
                   <a:schemeClr val="tx1"/>
                 </a:solidFill>
@@ -3829,88 +3829,6 @@
       </p:sp>
       <p:cxnSp>
         <p:nvCxnSpPr>
-          <p:cNvPr id="14" name="Straight Connector 13">
-            <a:extLst>
-              <a:ext uri="{FF2B5EF4-FFF2-40B4-BE49-F238E27FC236}">
-                <a16:creationId xmlns:a16="http://schemas.microsoft.com/office/drawing/2014/main" id="{45618E5B-B09F-87EE-DD3B-71845A24A2C6}"/>
-              </a:ext>
-            </a:extLst>
-          </p:cNvPr>
-          <p:cNvCxnSpPr/>
-          <p:nvPr/>
-        </p:nvCxnSpPr>
-        <p:spPr>
-          <a:xfrm>
-            <a:off x="1581380" y="4117843"/>
-            <a:ext cx="4590642" cy="0"/>
-          </a:xfrm>
-          <a:prstGeom prst="line">
-            <a:avLst/>
-          </a:prstGeom>
-          <a:ln w="57150">
-            <a:solidFill>
-              <a:schemeClr val="tx1"/>
-            </a:solidFill>
-          </a:ln>
-        </p:spPr>
-        <p:style>
-          <a:lnRef idx="1">
-            <a:schemeClr val="accent1"/>
-          </a:lnRef>
-          <a:fillRef idx="0">
-            <a:schemeClr val="accent1"/>
-          </a:fillRef>
-          <a:effectRef idx="0">
-            <a:schemeClr val="accent1"/>
-          </a:effectRef>
-          <a:fontRef idx="minor">
-            <a:schemeClr val="tx1"/>
-          </a:fontRef>
-        </p:style>
-      </p:cxnSp>
-      <p:cxnSp>
-        <p:nvCxnSpPr>
-          <p:cNvPr id="15" name="Straight Connector 14">
-            <a:extLst>
-              <a:ext uri="{FF2B5EF4-FFF2-40B4-BE49-F238E27FC236}">
-                <a16:creationId xmlns:a16="http://schemas.microsoft.com/office/drawing/2014/main" id="{8489AC15-3B33-2212-FF82-832813B6DA3D}"/>
-              </a:ext>
-            </a:extLst>
-          </p:cNvPr>
-          <p:cNvCxnSpPr/>
-          <p:nvPr/>
-        </p:nvCxnSpPr>
-        <p:spPr>
-          <a:xfrm>
-            <a:off x="1581380" y="5710736"/>
-            <a:ext cx="4590642" cy="0"/>
-          </a:xfrm>
-          <a:prstGeom prst="line">
-            <a:avLst/>
-          </a:prstGeom>
-          <a:ln w="57150">
-            <a:solidFill>
-              <a:schemeClr val="tx1"/>
-            </a:solidFill>
-          </a:ln>
-        </p:spPr>
-        <p:style>
-          <a:lnRef idx="1">
-            <a:schemeClr val="accent1"/>
-          </a:lnRef>
-          <a:fillRef idx="0">
-            <a:schemeClr val="accent1"/>
-          </a:fillRef>
-          <a:effectRef idx="0">
-            <a:schemeClr val="accent1"/>
-          </a:effectRef>
-          <a:fontRef idx="minor">
-            <a:schemeClr val="tx1"/>
-          </a:fontRef>
-        </p:style>
-      </p:cxnSp>
-      <p:cxnSp>
-        <p:nvCxnSpPr>
           <p:cNvPr id="16" name="Straight Arrow Connector 15">
             <a:extLst>
               <a:ext uri="{FF2B5EF4-FFF2-40B4-BE49-F238E27FC236}">
@@ -4045,155 +3963,24 @@
       </p:cxnSp>
       <p:cxnSp>
         <p:nvCxnSpPr>
-          <p:cNvPr id="28" name="Straight Arrow Connector 27">
-            <a:extLst>
-              <a:ext uri="{FF2B5EF4-FFF2-40B4-BE49-F238E27FC236}">
-                <a16:creationId xmlns:a16="http://schemas.microsoft.com/office/drawing/2014/main" id="{70EA1D53-9872-91D0-2F56-A390A3B27B74}"/>
+          <p:cNvPr id="30" name="Straight Arrow Connector 29">
+            <a:extLst>
+              <a:ext uri="{FF2B5EF4-FFF2-40B4-BE49-F238E27FC236}">
+                <a16:creationId xmlns:a16="http://schemas.microsoft.com/office/drawing/2014/main" id="{EBE5B442-70BB-1E79-F861-0324047096A2}"/>
               </a:ext>
             </a:extLst>
           </p:cNvPr>
           <p:cNvCxnSpPr>
             <a:cxnSpLocks/>
+            <a:stCxn id="7" idx="3"/>
+            <a:endCxn id="12" idx="1"/>
           </p:cNvCxnSpPr>
           <p:nvPr/>
         </p:nvCxnSpPr>
         <p:spPr>
           <a:xfrm>
-            <a:off x="2830450" y="4117844"/>
-            <a:ext cx="0" cy="285730"/>
-          </a:xfrm>
-          <a:prstGeom prst="straightConnector1">
-            <a:avLst/>
-          </a:prstGeom>
-          <a:ln>
-            <a:solidFill>
-              <a:schemeClr val="tx1"/>
-            </a:solidFill>
-            <a:tailEnd type="triangle"/>
-          </a:ln>
-        </p:spPr>
-        <p:style>
-          <a:lnRef idx="1">
-            <a:schemeClr val="accent1"/>
-          </a:lnRef>
-          <a:fillRef idx="0">
-            <a:schemeClr val="accent1"/>
-          </a:fillRef>
-          <a:effectRef idx="0">
-            <a:schemeClr val="accent1"/>
-          </a:effectRef>
-          <a:fontRef idx="minor">
-            <a:schemeClr val="tx1"/>
-          </a:fontRef>
-        </p:style>
-      </p:cxnSp>
-      <p:cxnSp>
-        <p:nvCxnSpPr>
-          <p:cNvPr id="29" name="Straight Arrow Connector 28">
-            <a:extLst>
-              <a:ext uri="{FF2B5EF4-FFF2-40B4-BE49-F238E27FC236}">
-                <a16:creationId xmlns:a16="http://schemas.microsoft.com/office/drawing/2014/main" id="{587575E4-7FA0-D739-7457-18F939FA7252}"/>
-              </a:ext>
-            </a:extLst>
-          </p:cNvPr>
-          <p:cNvCxnSpPr>
-            <a:cxnSpLocks/>
-          </p:cNvCxnSpPr>
-          <p:nvPr/>
-        </p:nvCxnSpPr>
-        <p:spPr>
-          <a:xfrm>
-            <a:off x="5110187" y="4117844"/>
-            <a:ext cx="0" cy="285730"/>
-          </a:xfrm>
-          <a:prstGeom prst="straightConnector1">
-            <a:avLst/>
-          </a:prstGeom>
-          <a:ln>
-            <a:solidFill>
-              <a:schemeClr val="tx1"/>
-            </a:solidFill>
-            <a:tailEnd type="triangle"/>
-          </a:ln>
-        </p:spPr>
-        <p:style>
-          <a:lnRef idx="1">
-            <a:schemeClr val="accent1"/>
-          </a:lnRef>
-          <a:fillRef idx="0">
-            <a:schemeClr val="accent1"/>
-          </a:fillRef>
-          <a:effectRef idx="0">
-            <a:schemeClr val="accent1"/>
-          </a:effectRef>
-          <a:fontRef idx="minor">
-            <a:schemeClr val="tx1"/>
-          </a:fontRef>
-        </p:style>
-      </p:cxnSp>
-      <p:cxnSp>
-        <p:nvCxnSpPr>
-          <p:cNvPr id="30" name="Straight Arrow Connector 29">
-            <a:extLst>
-              <a:ext uri="{FF2B5EF4-FFF2-40B4-BE49-F238E27FC236}">
-                <a16:creationId xmlns:a16="http://schemas.microsoft.com/office/drawing/2014/main" id="{EBE5B442-70BB-1E79-F861-0324047096A2}"/>
-              </a:ext>
-            </a:extLst>
-          </p:cNvPr>
-          <p:cNvCxnSpPr>
-            <a:cxnSpLocks/>
-            <a:stCxn id="7" idx="2"/>
-          </p:cNvCxnSpPr>
-          <p:nvPr/>
-        </p:nvCxnSpPr>
-        <p:spPr>
-          <a:xfrm>
-            <a:off x="2792443" y="5287952"/>
-            <a:ext cx="0" cy="422784"/>
-          </a:xfrm>
-          <a:prstGeom prst="straightConnector1">
-            <a:avLst/>
-          </a:prstGeom>
-          <a:ln>
-            <a:solidFill>
-              <a:schemeClr val="tx1"/>
-            </a:solidFill>
-            <a:tailEnd type="triangle"/>
-          </a:ln>
-        </p:spPr>
-        <p:style>
-          <a:lnRef idx="1">
-            <a:schemeClr val="accent1"/>
-          </a:lnRef>
-          <a:fillRef idx="0">
-            <a:schemeClr val="accent1"/>
-          </a:fillRef>
-          <a:effectRef idx="0">
-            <a:schemeClr val="accent1"/>
-          </a:effectRef>
-          <a:fontRef idx="minor">
-            <a:schemeClr val="tx1"/>
-          </a:fontRef>
-        </p:style>
-      </p:cxnSp>
-      <p:cxnSp>
-        <p:nvCxnSpPr>
-          <p:cNvPr id="32" name="Straight Arrow Connector 31">
-            <a:extLst>
-              <a:ext uri="{FF2B5EF4-FFF2-40B4-BE49-F238E27FC236}">
-                <a16:creationId xmlns:a16="http://schemas.microsoft.com/office/drawing/2014/main" id="{511F70DC-A238-125A-4A41-FA02BAFB9A30}"/>
-              </a:ext>
-            </a:extLst>
-          </p:cNvPr>
-          <p:cNvCxnSpPr>
-            <a:cxnSpLocks/>
-          </p:cNvCxnSpPr>
-          <p:nvPr/>
-        </p:nvCxnSpPr>
-        <p:spPr>
-          <a:xfrm>
-            <a:off x="5131425" y="5287952"/>
-            <a:ext cx="0" cy="422784"/>
+            <a:off x="3831421" y="4845763"/>
+            <a:ext cx="262644" cy="0"/>
           </a:xfrm>
           <a:prstGeom prst="straightConnector1">
             <a:avLst/>
@@ -4292,13 +4079,14 @@
           </p:cNvPr>
           <p:cNvCxnSpPr>
             <a:cxnSpLocks/>
+            <a:endCxn id="7" idx="0"/>
           </p:cNvCxnSpPr>
           <p:nvPr/>
         </p:nvCxnSpPr>
         <p:spPr>
           <a:xfrm flipH="1">
-            <a:off x="2792442" y="3728684"/>
-            <a:ext cx="16941" cy="389159"/>
+            <a:off x="2792443" y="3728684"/>
+            <a:ext cx="16940" cy="674890"/>
           </a:xfrm>
           <a:prstGeom prst="straightConnector1">
             <a:avLst/>
@@ -4629,14 +4417,12 @@
           <p:nvPr/>
         </p:nvCxnSpPr>
         <p:spPr>
-          <a:xfrm>
-            <a:off x="3876701" y="5720545"/>
-            <a:ext cx="2946132" cy="451785"/>
+          <a:xfrm rot="16200000" flipH="1">
+            <a:off x="5464674" y="4867174"/>
+            <a:ext cx="884378" cy="1689788"/>
           </a:xfrm>
-          <a:prstGeom prst="bentConnector3">
-            <a:avLst>
-              <a:gd name="adj1" fmla="val -3996"/>
-            </a:avLst>
+          <a:prstGeom prst="bentConnector2">
+            <a:avLst/>
           </a:prstGeom>
           <a:ln>
             <a:solidFill>
